--- a/u6958957_poster.pptx
+++ b/u6958957_poster.pptx
@@ -5443,8 +5443,8 @@
         </p:nvSpPr>
         <p:spPr>
           <a:xfrm>
-            <a:off x="14058563" y="4084185"/>
-            <a:ext cx="6983143" cy="421957"/>
+            <a:off x="14157120" y="4047934"/>
+            <a:ext cx="6883471" cy="440250"/>
           </a:xfrm>
           <a:prstGeom prst="rect">
             <a:avLst/>
@@ -5475,7 +5475,7 @@
           </a:bodyPr>
           <a:lstStyle/>
           <a:p>
-            <a:pPr algn="l"/>
+            <a:pPr algn="r"/>
             <a:r>
               <a:rPr lang="en-GB" sz="2000" dirty="0">
                 <a:solidFill>
@@ -7225,6 +7225,83 @@
           </p:txBody>
         </p:sp>
       </p:grpSp>
+      <p:sp>
+        <p:nvSpPr>
+          <p:cNvPr id="1035" name="TextBox 1034">
+            <a:extLst>
+              <a:ext uri="{FF2B5EF4-FFF2-40B4-BE49-F238E27FC236}">
+                <a16:creationId xmlns:a16="http://schemas.microsoft.com/office/drawing/2014/main" id="{90893939-1337-EF47-DE77-9D586518B196}"/>
+              </a:ext>
+            </a:extLst>
+          </p:cNvPr>
+          <p:cNvSpPr txBox="1"/>
+          <p:nvPr/>
+        </p:nvSpPr>
+        <p:spPr>
+          <a:xfrm>
+            <a:off x="1129833" y="4048635"/>
+            <a:ext cx="10086892" cy="798745"/>
+          </a:xfrm>
+          <a:prstGeom prst="rect">
+            <a:avLst/>
+          </a:prstGeom>
+          <a:noFill/>
+          <a:ln w="12700" cap="flat">
+            <a:noFill/>
+            <a:miter lim="400000"/>
+          </a:ln>
+          <a:effectLst/>
+          <a:sp3d/>
+        </p:spPr>
+        <p:style>
+          <a:lnRef idx="0">
+            <a:scrgbClr r="0" g="0" b="0"/>
+          </a:lnRef>
+          <a:fillRef idx="0">
+            <a:scrgbClr r="0" g="0" b="0"/>
+          </a:fillRef>
+          <a:effectRef idx="0">
+            <a:scrgbClr r="0" g="0" b="0"/>
+          </a:effectRef>
+          <a:fontRef idx="none"/>
+        </p:style>
+        <p:txBody>
+          <a:bodyPr wrap="square">
+            <a:noAutofit/>
+          </a:bodyPr>
+          <a:lstStyle/>
+          <a:p>
+            <a:pPr algn="l"/>
+            <a:r>
+              <a:rPr lang="en-GB" sz="2000" dirty="0">
+                <a:solidFill>
+                  <a:srgbClr val="333333"/>
+                </a:solidFill>
+                <a:latin typeface="Source Sans Pro" panose="020B0503030403020204" pitchFamily="34" charset="0"/>
+              </a:rPr>
+              <a:t>Dashboard:</a:t>
+            </a:r>
+            <a:r>
+              <a:rPr lang="en-GB" sz="2000" b="0" dirty="0">
+                <a:solidFill>
+                  <a:srgbClr val="333333"/>
+                </a:solidFill>
+                <a:latin typeface="Source Sans Pro" panose="020B0503030403020204" pitchFamily="34" charset="0"/>
+              </a:rPr>
+              <a:t> </a:t>
+            </a:r>
+            <a:r>
+              <a:rPr lang="en-GB" sz="2000" b="0" dirty="0">
+                <a:solidFill>
+                  <a:schemeClr val="accent1"/>
+                </a:solidFill>
+                <a:latin typeface="Source Sans Pro" panose="020B0503030403020204" pitchFamily="34" charset="0"/>
+              </a:rPr>
+              <a:t>https://0uexv8-johann-wagner.shinyapps.io/invasive_species_dashboard</a:t>
+            </a:r>
+          </a:p>
+        </p:txBody>
+      </p:sp>
     </p:spTree>
     <p:extLst>
       <p:ext uri="{BB962C8B-B14F-4D97-AF65-F5344CB8AC3E}">

--- a/u6958957_poster.pptx
+++ b/u6958957_poster.pptx
@@ -2151,7 +2151,7 @@
           </a:ln>
           <a:extLst>
             <a:ext uri="{C572A759-6A51-4108-AA02-DFA0A04FC94B}">
-              <ma14:wrappingTextBoxFlag xmlns="" xmlns:m="http://schemas.openxmlformats.org/officeDocument/2006/math" xmlns:a14="http://schemas.microsoft.com/office/drawing/2010/main" xmlns:ma14="http://schemas.microsoft.com/office/mac/drawingml/2011/main" val="1"/>
+              <ma14:wrappingTextBoxFlag xmlns:ma14="http://schemas.microsoft.com/office/mac/drawingml/2011/main" xmlns:a14="http://schemas.microsoft.com/office/drawing/2010/main" xmlns:m="http://schemas.openxmlformats.org/officeDocument/2006/math" xmlns="" val="1"/>
             </a:ext>
           </a:extLst>
         </p:spPr>
@@ -2190,7 +2190,7 @@
           </a:ln>
           <a:extLst>
             <a:ext uri="{C572A759-6A51-4108-AA02-DFA0A04FC94B}">
-              <ma14:wrappingTextBoxFlag xmlns="" xmlns:m="http://schemas.openxmlformats.org/officeDocument/2006/math" xmlns:a14="http://schemas.microsoft.com/office/drawing/2010/main" xmlns:ma14="http://schemas.microsoft.com/office/mac/drawingml/2011/main" val="1"/>
+              <ma14:wrappingTextBoxFlag xmlns:ma14="http://schemas.microsoft.com/office/mac/drawingml/2011/main" xmlns:a14="http://schemas.microsoft.com/office/drawing/2010/main" xmlns:m="http://schemas.openxmlformats.org/officeDocument/2006/math" xmlns="" val="1"/>
             </a:ext>
           </a:extLst>
         </p:spPr>
@@ -5524,7 +5524,7 @@
         </p:nvGrpSpPr>
         <p:grpSpPr>
           <a:xfrm>
-            <a:off x="10929182" y="23548221"/>
+            <a:off x="10929182" y="23440271"/>
             <a:ext cx="4162092" cy="2214052"/>
             <a:chOff x="10929182" y="23577230"/>
             <a:chExt cx="4162092" cy="2214052"/>
